--- a/3DGame_2_Switching! S&B fight/Switching! S&B fight_仕様書.pptx
+++ b/3DGame_2_Switching! S&B fight/Switching! S&B fight_仕様書.pptx
@@ -20,6 +20,7 @@
     <p:sldId id="265" r:id="rId14"/>
     <p:sldId id="266" r:id="rId15"/>
     <p:sldId id="264" r:id="rId16"/>
+    <p:sldId id="272" r:id="rId17"/>
   </p:sldIdLst>
   <p:sldSz cx="12192000" cy="6858000"/>
   <p:notesSz cx="6858000" cy="9144000"/>
@@ -273,7 +274,7 @@
           <a:p>
             <a:fld id="{20ADE6E2-60F5-4A20-BAD7-A1634267C4D7}" type="datetimeFigureOut">
               <a:rPr kumimoji="1" lang="ja-JP" altLang="en-US" smtClean="0"/>
-              <a:t>2024/7/11</a:t>
+              <a:t>2024/9/17</a:t>
             </a:fld>
             <a:endParaRPr kumimoji="1" lang="ja-JP" altLang="en-US"/>
           </a:p>
@@ -503,7 +504,7 @@
           <a:p>
             <a:fld id="{20ADE6E2-60F5-4A20-BAD7-A1634267C4D7}" type="datetimeFigureOut">
               <a:rPr kumimoji="1" lang="ja-JP" altLang="en-US" smtClean="0"/>
-              <a:t>2024/7/11</a:t>
+              <a:t>2024/9/17</a:t>
             </a:fld>
             <a:endParaRPr kumimoji="1" lang="ja-JP" altLang="en-US"/>
           </a:p>
@@ -743,7 +744,7 @@
           <a:p>
             <a:fld id="{20ADE6E2-60F5-4A20-BAD7-A1634267C4D7}" type="datetimeFigureOut">
               <a:rPr kumimoji="1" lang="ja-JP" altLang="en-US" smtClean="0"/>
-              <a:t>2024/7/11</a:t>
+              <a:t>2024/9/17</a:t>
             </a:fld>
             <a:endParaRPr kumimoji="1" lang="ja-JP" altLang="en-US"/>
           </a:p>
@@ -973,7 +974,7 @@
           <a:p>
             <a:fld id="{20ADE6E2-60F5-4A20-BAD7-A1634267C4D7}" type="datetimeFigureOut">
               <a:rPr kumimoji="1" lang="ja-JP" altLang="en-US" smtClean="0"/>
-              <a:t>2024/7/11</a:t>
+              <a:t>2024/9/17</a:t>
             </a:fld>
             <a:endParaRPr kumimoji="1" lang="ja-JP" altLang="en-US"/>
           </a:p>
@@ -1248,7 +1249,7 @@
           <a:p>
             <a:fld id="{20ADE6E2-60F5-4A20-BAD7-A1634267C4D7}" type="datetimeFigureOut">
               <a:rPr kumimoji="1" lang="ja-JP" altLang="en-US" smtClean="0"/>
-              <a:t>2024/7/11</a:t>
+              <a:t>2024/9/17</a:t>
             </a:fld>
             <a:endParaRPr kumimoji="1" lang="ja-JP" altLang="en-US"/>
           </a:p>
@@ -1577,7 +1578,7 @@
           <a:p>
             <a:fld id="{20ADE6E2-60F5-4A20-BAD7-A1634267C4D7}" type="datetimeFigureOut">
               <a:rPr kumimoji="1" lang="ja-JP" altLang="en-US" smtClean="0"/>
-              <a:t>2024/7/11</a:t>
+              <a:t>2024/9/17</a:t>
             </a:fld>
             <a:endParaRPr kumimoji="1" lang="ja-JP" altLang="en-US"/>
           </a:p>
@@ -2053,7 +2054,7 @@
           <a:p>
             <a:fld id="{20ADE6E2-60F5-4A20-BAD7-A1634267C4D7}" type="datetimeFigureOut">
               <a:rPr kumimoji="1" lang="ja-JP" altLang="en-US" smtClean="0"/>
-              <a:t>2024/7/11</a:t>
+              <a:t>2024/9/17</a:t>
             </a:fld>
             <a:endParaRPr kumimoji="1" lang="ja-JP" altLang="en-US"/>
           </a:p>
@@ -2194,7 +2195,7 @@
           <a:p>
             <a:fld id="{20ADE6E2-60F5-4A20-BAD7-A1634267C4D7}" type="datetimeFigureOut">
               <a:rPr kumimoji="1" lang="ja-JP" altLang="en-US" smtClean="0"/>
-              <a:t>2024/7/11</a:t>
+              <a:t>2024/9/17</a:t>
             </a:fld>
             <a:endParaRPr kumimoji="1" lang="ja-JP" altLang="en-US"/>
           </a:p>
@@ -2307,7 +2308,7 @@
           <a:p>
             <a:fld id="{20ADE6E2-60F5-4A20-BAD7-A1634267C4D7}" type="datetimeFigureOut">
               <a:rPr kumimoji="1" lang="ja-JP" altLang="en-US" smtClean="0"/>
-              <a:t>2024/7/11</a:t>
+              <a:t>2024/9/17</a:t>
             </a:fld>
             <a:endParaRPr kumimoji="1" lang="ja-JP" altLang="en-US"/>
           </a:p>
@@ -2650,7 +2651,7 @@
           <a:p>
             <a:fld id="{20ADE6E2-60F5-4A20-BAD7-A1634267C4D7}" type="datetimeFigureOut">
               <a:rPr kumimoji="1" lang="ja-JP" altLang="en-US" smtClean="0"/>
-              <a:t>2024/7/11</a:t>
+              <a:t>2024/9/17</a:t>
             </a:fld>
             <a:endParaRPr kumimoji="1" lang="ja-JP" altLang="en-US"/>
           </a:p>
@@ -2938,7 +2939,7 @@
           <a:p>
             <a:fld id="{20ADE6E2-60F5-4A20-BAD7-A1634267C4D7}" type="datetimeFigureOut">
               <a:rPr kumimoji="1" lang="ja-JP" altLang="en-US" smtClean="0"/>
-              <a:t>2024/7/11</a:t>
+              <a:t>2024/9/17</a:t>
             </a:fld>
             <a:endParaRPr kumimoji="1" lang="ja-JP" altLang="en-US"/>
           </a:p>
@@ -3211,7 +3212,7 @@
           <a:p>
             <a:fld id="{20ADE6E2-60F5-4A20-BAD7-A1634267C4D7}" type="datetimeFigureOut">
               <a:rPr kumimoji="1" lang="ja-JP" altLang="en-US" smtClean="0"/>
-              <a:t>2024/7/11</a:t>
+              <a:t>2024/9/17</a:t>
             </a:fld>
             <a:endParaRPr kumimoji="1" lang="ja-JP" altLang="en-US"/>
           </a:p>
@@ -8239,6 +8240,219 @@
 </p:sld>
 </file>
 
+<file path=ppt/slides/slide16.xml><?xml version="1.0" encoding="utf-8"?>
+<p:sld xmlns:a="http://schemas.openxmlformats.org/drawingml/2006/main" xmlns:r="http://schemas.openxmlformats.org/officeDocument/2006/relationships" xmlns:p="http://schemas.openxmlformats.org/presentationml/2006/main">
+  <p:cSld>
+    <p:spTree>
+      <p:nvGrpSpPr>
+        <p:cNvPr id="1" name=""/>
+        <p:cNvGrpSpPr/>
+        <p:nvPr/>
+      </p:nvGrpSpPr>
+      <p:grpSpPr>
+        <a:xfrm>
+          <a:off x="0" y="0"/>
+          <a:ext cx="0" cy="0"/>
+          <a:chOff x="0" y="0"/>
+          <a:chExt cx="0" cy="0"/>
+        </a:xfrm>
+      </p:grpSpPr>
+      <p:sp>
+        <p:nvSpPr>
+          <p:cNvPr id="4" name="テキスト ボックス 3">
+            <a:extLst>
+              <a:ext uri="{FF2B5EF4-FFF2-40B4-BE49-F238E27FC236}">
+                <a16:creationId xmlns:a16="http://schemas.microsoft.com/office/drawing/2014/main" id="{0CF2F124-79E8-4367-8E33-E3130A02F511}"/>
+              </a:ext>
+            </a:extLst>
+          </p:cNvPr>
+          <p:cNvSpPr txBox="1"/>
+          <p:nvPr/>
+        </p:nvSpPr>
+        <p:spPr>
+          <a:xfrm>
+            <a:off x="206062" y="257577"/>
+            <a:ext cx="3206839" cy="369332"/>
+          </a:xfrm>
+          <a:prstGeom prst="rect">
+            <a:avLst/>
+          </a:prstGeom>
+          <a:noFill/>
+        </p:spPr>
+        <p:txBody>
+          <a:bodyPr wrap="square" rtlCol="0">
+            <a:spAutoFit/>
+          </a:bodyPr>
+          <a:lstStyle/>
+          <a:p>
+            <a:pPr algn="ctr"/>
+            <a:r>
+              <a:rPr kumimoji="1" lang="ja-JP" altLang="en-US" dirty="0">
+                <a:latin typeface="BIZ UD明朝 Medium" panose="02020500000000000000" pitchFamily="17" charset="-128"/>
+                <a:ea typeface="BIZ UD明朝 Medium" panose="02020500000000000000" pitchFamily="17" charset="-128"/>
+              </a:rPr>
+              <a:t>作品展示会でもらった意見</a:t>
+            </a:r>
+          </a:p>
+        </p:txBody>
+      </p:sp>
+      <p:sp>
+        <p:nvSpPr>
+          <p:cNvPr id="5" name="テキスト ボックス 4">
+            <a:extLst>
+              <a:ext uri="{FF2B5EF4-FFF2-40B4-BE49-F238E27FC236}">
+                <a16:creationId xmlns:a16="http://schemas.microsoft.com/office/drawing/2014/main" id="{50E949DF-FA63-4FE9-8466-4AC5F7ACE186}"/>
+              </a:ext>
+            </a:extLst>
+          </p:cNvPr>
+          <p:cNvSpPr txBox="1"/>
+          <p:nvPr/>
+        </p:nvSpPr>
+        <p:spPr>
+          <a:xfrm>
+            <a:off x="746975" y="1287887"/>
+            <a:ext cx="8443337" cy="3416320"/>
+          </a:xfrm>
+          <a:prstGeom prst="rect">
+            <a:avLst/>
+          </a:prstGeom>
+          <a:noFill/>
+        </p:spPr>
+        <p:txBody>
+          <a:bodyPr wrap="none" rtlCol="0">
+            <a:spAutoFit/>
+          </a:bodyPr>
+          <a:lstStyle/>
+          <a:p>
+            <a:r>
+              <a:rPr kumimoji="1" lang="ja-JP" altLang="en-US" dirty="0"/>
+              <a:t>・ボウガンと剣の攻撃エフェクトは別にしたほうがいい</a:t>
+            </a:r>
+            <a:endParaRPr kumimoji="1" lang="en-US" altLang="ja-JP" dirty="0"/>
+          </a:p>
+          <a:p>
+            <a:r>
+              <a:rPr kumimoji="1" lang="ja-JP" altLang="en-US" dirty="0"/>
+              <a:t>・照準にテクスチャを貼って、どの敵に照準が向いているかわかりやすくする</a:t>
+            </a:r>
+            <a:endParaRPr kumimoji="1" lang="en-US" altLang="ja-JP" dirty="0"/>
+          </a:p>
+          <a:p>
+            <a:r>
+              <a:rPr lang="ja-JP" altLang="en-US" dirty="0"/>
+              <a:t>・照準はボタン切り替えできるように</a:t>
+            </a:r>
+            <a:r>
+              <a:rPr lang="en-US" altLang="ja-JP" dirty="0"/>
+              <a:t>(</a:t>
+            </a:r>
+            <a:r>
+              <a:rPr lang="ja-JP" altLang="en-US" dirty="0"/>
+              <a:t>自動で近い敵にセットされるのはやめる</a:t>
+            </a:r>
+            <a:r>
+              <a:rPr lang="en-US" altLang="ja-JP" dirty="0"/>
+              <a:t>)</a:t>
+            </a:r>
+          </a:p>
+          <a:p>
+            <a:r>
+              <a:rPr lang="ja-JP" altLang="en-US" dirty="0"/>
+              <a:t>・</a:t>
+            </a:r>
+            <a:r>
+              <a:rPr lang="en-US" altLang="ja-JP" dirty="0"/>
+              <a:t>UI</a:t>
+            </a:r>
+            <a:r>
+              <a:rPr lang="ja-JP" altLang="en-US" dirty="0"/>
+              <a:t>の色合いをもっと明るくする</a:t>
+            </a:r>
+            <a:endParaRPr lang="en-US" altLang="ja-JP" dirty="0"/>
+          </a:p>
+          <a:p>
+            <a:r>
+              <a:rPr kumimoji="1" lang="ja-JP" altLang="en-US" dirty="0"/>
+              <a:t>・セレクトの文字</a:t>
+            </a:r>
+            <a:r>
+              <a:rPr kumimoji="1" lang="en-US" altLang="ja-JP" dirty="0"/>
+              <a:t>UI</a:t>
+            </a:r>
+            <a:r>
+              <a:rPr kumimoji="1" lang="ja-JP" altLang="en-US" dirty="0"/>
+              <a:t>は読みやすいフォントで</a:t>
+            </a:r>
+            <a:endParaRPr kumimoji="1" lang="en-US" altLang="ja-JP" dirty="0"/>
+          </a:p>
+          <a:p>
+            <a:r>
+              <a:rPr kumimoji="1" lang="ja-JP" altLang="en-US" dirty="0"/>
+              <a:t>・スペルミスの修正</a:t>
+            </a:r>
+            <a:endParaRPr kumimoji="1" lang="en-US" altLang="ja-JP" dirty="0"/>
+          </a:p>
+          <a:p>
+            <a:r>
+              <a:rPr kumimoji="1" lang="ja-JP" altLang="en-US" dirty="0"/>
+              <a:t>・ゲームクリアのアニメーションはガッツポーズなどを使う</a:t>
+            </a:r>
+            <a:endParaRPr kumimoji="1" lang="en-US" altLang="ja-JP" dirty="0"/>
+          </a:p>
+          <a:p>
+            <a:r>
+              <a:rPr lang="ja-JP" altLang="en-US" dirty="0"/>
+              <a:t>・ポーズ画面を実装</a:t>
+            </a:r>
+            <a:endParaRPr lang="en-US" altLang="ja-JP" dirty="0"/>
+          </a:p>
+          <a:p>
+            <a:r>
+              <a:rPr lang="ja-JP" altLang="en-US" dirty="0"/>
+              <a:t>・スコア</a:t>
+            </a:r>
+            <a:endParaRPr lang="en-US" altLang="ja-JP" dirty="0"/>
+          </a:p>
+          <a:p>
+            <a:r>
+              <a:rPr lang="ja-JP" altLang="en-US" dirty="0"/>
+              <a:t>・ボタン長押しでカメラの方向を戻す</a:t>
+            </a:r>
+            <a:endParaRPr lang="en-US" altLang="ja-JP" dirty="0"/>
+          </a:p>
+          <a:p>
+            <a:r>
+              <a:rPr lang="ja-JP" altLang="en-US" dirty="0"/>
+              <a:t>・操作説明の画質</a:t>
+            </a:r>
+            <a:endParaRPr lang="en-US" altLang="ja-JP" dirty="0"/>
+          </a:p>
+          <a:p>
+            <a:r>
+              <a:rPr lang="ja-JP" altLang="en-US" dirty="0"/>
+              <a:t>・影</a:t>
+            </a:r>
+            <a:r>
+              <a:rPr lang="ja-JP" altLang="en-US"/>
+              <a:t>をつける</a:t>
+            </a:r>
+            <a:endParaRPr lang="en-US" altLang="ja-JP" dirty="0"/>
+          </a:p>
+        </p:txBody>
+      </p:sp>
+    </p:spTree>
+    <p:extLst>
+      <p:ext uri="{BB962C8B-B14F-4D97-AF65-F5344CB8AC3E}">
+        <p14:creationId xmlns:p14="http://schemas.microsoft.com/office/powerpoint/2010/main" val="802947956"/>
+      </p:ext>
+    </p:extLst>
+  </p:cSld>
+  <p:clrMapOvr>
+    <a:masterClrMapping/>
+  </p:clrMapOvr>
+</p:sld>
+</file>
+
 <file path=ppt/slides/slide2.xml><?xml version="1.0" encoding="utf-8"?>
 <p:sld xmlns:a="http://schemas.openxmlformats.org/drawingml/2006/main" xmlns:r="http://schemas.openxmlformats.org/officeDocument/2006/relationships" xmlns:p="http://schemas.openxmlformats.org/presentationml/2006/main">
   <p:cSld>

--- a/3DGame_2_Switching! S&B fight/Switching! S&B fight_仕様書.pptx
+++ b/3DGame_2_Switching! S&B fight/Switching! S&B fight_仕様書.pptx
@@ -274,7 +274,7 @@
           <a:p>
             <a:fld id="{20ADE6E2-60F5-4A20-BAD7-A1634267C4D7}" type="datetimeFigureOut">
               <a:rPr kumimoji="1" lang="ja-JP" altLang="en-US" smtClean="0"/>
-              <a:t>2024/9/17</a:t>
+              <a:t>2024/11/7</a:t>
             </a:fld>
             <a:endParaRPr kumimoji="1" lang="ja-JP" altLang="en-US"/>
           </a:p>
@@ -504,7 +504,7 @@
           <a:p>
             <a:fld id="{20ADE6E2-60F5-4A20-BAD7-A1634267C4D7}" type="datetimeFigureOut">
               <a:rPr kumimoji="1" lang="ja-JP" altLang="en-US" smtClean="0"/>
-              <a:t>2024/9/17</a:t>
+              <a:t>2024/11/7</a:t>
             </a:fld>
             <a:endParaRPr kumimoji="1" lang="ja-JP" altLang="en-US"/>
           </a:p>
@@ -744,7 +744,7 @@
           <a:p>
             <a:fld id="{20ADE6E2-60F5-4A20-BAD7-A1634267C4D7}" type="datetimeFigureOut">
               <a:rPr kumimoji="1" lang="ja-JP" altLang="en-US" smtClean="0"/>
-              <a:t>2024/9/17</a:t>
+              <a:t>2024/11/7</a:t>
             </a:fld>
             <a:endParaRPr kumimoji="1" lang="ja-JP" altLang="en-US"/>
           </a:p>
@@ -974,7 +974,7 @@
           <a:p>
             <a:fld id="{20ADE6E2-60F5-4A20-BAD7-A1634267C4D7}" type="datetimeFigureOut">
               <a:rPr kumimoji="1" lang="ja-JP" altLang="en-US" smtClean="0"/>
-              <a:t>2024/9/17</a:t>
+              <a:t>2024/11/7</a:t>
             </a:fld>
             <a:endParaRPr kumimoji="1" lang="ja-JP" altLang="en-US"/>
           </a:p>
@@ -1249,7 +1249,7 @@
           <a:p>
             <a:fld id="{20ADE6E2-60F5-4A20-BAD7-A1634267C4D7}" type="datetimeFigureOut">
               <a:rPr kumimoji="1" lang="ja-JP" altLang="en-US" smtClean="0"/>
-              <a:t>2024/9/17</a:t>
+              <a:t>2024/11/7</a:t>
             </a:fld>
             <a:endParaRPr kumimoji="1" lang="ja-JP" altLang="en-US"/>
           </a:p>
@@ -1578,7 +1578,7 @@
           <a:p>
             <a:fld id="{20ADE6E2-60F5-4A20-BAD7-A1634267C4D7}" type="datetimeFigureOut">
               <a:rPr kumimoji="1" lang="ja-JP" altLang="en-US" smtClean="0"/>
-              <a:t>2024/9/17</a:t>
+              <a:t>2024/11/7</a:t>
             </a:fld>
             <a:endParaRPr kumimoji="1" lang="ja-JP" altLang="en-US"/>
           </a:p>
@@ -2054,7 +2054,7 @@
           <a:p>
             <a:fld id="{20ADE6E2-60F5-4A20-BAD7-A1634267C4D7}" type="datetimeFigureOut">
               <a:rPr kumimoji="1" lang="ja-JP" altLang="en-US" smtClean="0"/>
-              <a:t>2024/9/17</a:t>
+              <a:t>2024/11/7</a:t>
             </a:fld>
             <a:endParaRPr kumimoji="1" lang="ja-JP" altLang="en-US"/>
           </a:p>
@@ -2195,7 +2195,7 @@
           <a:p>
             <a:fld id="{20ADE6E2-60F5-4A20-BAD7-A1634267C4D7}" type="datetimeFigureOut">
               <a:rPr kumimoji="1" lang="ja-JP" altLang="en-US" smtClean="0"/>
-              <a:t>2024/9/17</a:t>
+              <a:t>2024/11/7</a:t>
             </a:fld>
             <a:endParaRPr kumimoji="1" lang="ja-JP" altLang="en-US"/>
           </a:p>
@@ -2308,7 +2308,7 @@
           <a:p>
             <a:fld id="{20ADE6E2-60F5-4A20-BAD7-A1634267C4D7}" type="datetimeFigureOut">
               <a:rPr kumimoji="1" lang="ja-JP" altLang="en-US" smtClean="0"/>
-              <a:t>2024/9/17</a:t>
+              <a:t>2024/11/7</a:t>
             </a:fld>
             <a:endParaRPr kumimoji="1" lang="ja-JP" altLang="en-US"/>
           </a:p>
@@ -2651,7 +2651,7 @@
           <a:p>
             <a:fld id="{20ADE6E2-60F5-4A20-BAD7-A1634267C4D7}" type="datetimeFigureOut">
               <a:rPr kumimoji="1" lang="ja-JP" altLang="en-US" smtClean="0"/>
-              <a:t>2024/9/17</a:t>
+              <a:t>2024/11/7</a:t>
             </a:fld>
             <a:endParaRPr kumimoji="1" lang="ja-JP" altLang="en-US"/>
           </a:p>
@@ -2939,7 +2939,7 @@
           <a:p>
             <a:fld id="{20ADE6E2-60F5-4A20-BAD7-A1634267C4D7}" type="datetimeFigureOut">
               <a:rPr kumimoji="1" lang="ja-JP" altLang="en-US" smtClean="0"/>
-              <a:t>2024/9/17</a:t>
+              <a:t>2024/11/7</a:t>
             </a:fld>
             <a:endParaRPr kumimoji="1" lang="ja-JP" altLang="en-US"/>
           </a:p>
@@ -3212,7 +3212,7 @@
           <a:p>
             <a:fld id="{20ADE6E2-60F5-4A20-BAD7-A1634267C4D7}" type="datetimeFigureOut">
               <a:rPr kumimoji="1" lang="ja-JP" altLang="en-US" smtClean="0"/>
-              <a:t>2024/9/17</a:t>
+              <a:t>2024/11/7</a:t>
             </a:fld>
             <a:endParaRPr kumimoji="1" lang="ja-JP" altLang="en-US"/>
           </a:p>
@@ -8440,6 +8440,56 @@
           </a:p>
         </p:txBody>
       </p:sp>
+      <p:sp>
+        <p:nvSpPr>
+          <p:cNvPr id="2" name="テキスト ボックス 1">
+            <a:extLst>
+              <a:ext uri="{FF2B5EF4-FFF2-40B4-BE49-F238E27FC236}">
+                <a16:creationId xmlns:a16="http://schemas.microsoft.com/office/drawing/2014/main" id="{553D8123-ADCD-4F97-9445-9158EDDE5472}"/>
+              </a:ext>
+            </a:extLst>
+          </p:cNvPr>
+          <p:cNvSpPr txBox="1"/>
+          <p:nvPr/>
+        </p:nvSpPr>
+        <p:spPr>
+          <a:xfrm>
+            <a:off x="2024009" y="5424755"/>
+            <a:ext cx="4849402" cy="646331"/>
+          </a:xfrm>
+          <a:prstGeom prst="rect">
+            <a:avLst/>
+          </a:prstGeom>
+          <a:noFill/>
+        </p:spPr>
+        <p:txBody>
+          <a:bodyPr wrap="square" rtlCol="0">
+            <a:spAutoFit/>
+          </a:bodyPr>
+          <a:lstStyle/>
+          <a:p>
+            <a:r>
+              <a:rPr kumimoji="1" lang="ja-JP" altLang="en-US" dirty="0"/>
+              <a:t>制作期間</a:t>
+            </a:r>
+            <a:r>
+              <a:rPr kumimoji="1" lang="en-US" altLang="ja-JP" dirty="0"/>
+              <a:t>:7/9</a:t>
+            </a:r>
+            <a:r>
+              <a:rPr kumimoji="1" lang="ja-JP" altLang="en-US" dirty="0"/>
+              <a:t>～</a:t>
+            </a:r>
+            <a:r>
+              <a:rPr kumimoji="1" lang="en-US" altLang="ja-JP"/>
+              <a:t>9/10</a:t>
+            </a:r>
+          </a:p>
+          <a:p>
+            <a:endParaRPr kumimoji="1" lang="ja-JP" altLang="en-US" dirty="0"/>
+          </a:p>
+        </p:txBody>
+      </p:sp>
     </p:spTree>
     <p:extLst>
       <p:ext uri="{BB962C8B-B14F-4D97-AF65-F5344CB8AC3E}">
